--- a/packages/gatchaman-ppt/test/template.pptx
+++ b/packages/gatchaman-ppt/test/template.pptx
@@ -109,6 +109,11 @@
       </a:defRPr>
     </a:lvl9pPr>
   </p:defaultTextStyle>
+  <p:extLst>
+    <p:ext uri="{EFAFB233-063F-42B5-8137-9DF3F51BA10A}">
+      <p15:sldGuideLst xmlns:p15="http://schemas.microsoft.com/office/powerpoint/2012/main"/>
+    </p:ext>
+  </p:extLst>
 </p:presentation>
 </file>
 
@@ -194,7 +199,7 @@
           <a:p>
             <a:fld id="{97554A5D-BA72-4E4E-A0B5-A693F8512EA3}" type="datetimeFigureOut">
               <a:rPr lang="en-US" smtClean="0"/>
-              <a:t>7/17/17</a:t>
+              <a:t>7/19/17</a:t>
             </a:fld>
             <a:endParaRPr lang="en-US"/>
           </a:p>
@@ -593,7 +598,7 @@
           <a:p>
             <a:fld id="{586DF4C2-415B-C24F-A2AC-E44FACE64F7B}" type="datetimeFigureOut">
               <a:rPr lang="en-US" smtClean="0"/>
-              <a:t>7/17/17</a:t>
+              <a:t>7/19/17</a:t>
             </a:fld>
             <a:endParaRPr lang="en-US"/>
           </a:p>
@@ -763,7 +768,7 @@
           <a:p>
             <a:fld id="{586DF4C2-415B-C24F-A2AC-E44FACE64F7B}" type="datetimeFigureOut">
               <a:rPr lang="en-US" smtClean="0"/>
-              <a:t>7/17/17</a:t>
+              <a:t>7/19/17</a:t>
             </a:fld>
             <a:endParaRPr lang="en-US"/>
           </a:p>
@@ -943,7 +948,7 @@
           <a:p>
             <a:fld id="{586DF4C2-415B-C24F-A2AC-E44FACE64F7B}" type="datetimeFigureOut">
               <a:rPr lang="en-US" smtClean="0"/>
-              <a:t>7/17/17</a:t>
+              <a:t>7/19/17</a:t>
             </a:fld>
             <a:endParaRPr lang="en-US"/>
           </a:p>
@@ -1113,7 +1118,7 @@
           <a:p>
             <a:fld id="{586DF4C2-415B-C24F-A2AC-E44FACE64F7B}" type="datetimeFigureOut">
               <a:rPr lang="en-US" smtClean="0"/>
-              <a:t>7/17/17</a:t>
+              <a:t>7/19/17</a:t>
             </a:fld>
             <a:endParaRPr lang="en-US"/>
           </a:p>
@@ -1359,7 +1364,7 @@
           <a:p>
             <a:fld id="{586DF4C2-415B-C24F-A2AC-E44FACE64F7B}" type="datetimeFigureOut">
               <a:rPr lang="en-US" smtClean="0"/>
-              <a:t>7/17/17</a:t>
+              <a:t>7/19/17</a:t>
             </a:fld>
             <a:endParaRPr lang="en-US"/>
           </a:p>
@@ -1591,7 +1596,7 @@
           <a:p>
             <a:fld id="{586DF4C2-415B-C24F-A2AC-E44FACE64F7B}" type="datetimeFigureOut">
               <a:rPr lang="en-US" smtClean="0"/>
-              <a:t>7/17/17</a:t>
+              <a:t>7/19/17</a:t>
             </a:fld>
             <a:endParaRPr lang="en-US"/>
           </a:p>
@@ -1958,7 +1963,7 @@
           <a:p>
             <a:fld id="{586DF4C2-415B-C24F-A2AC-E44FACE64F7B}" type="datetimeFigureOut">
               <a:rPr lang="en-US" smtClean="0"/>
-              <a:t>7/17/17</a:t>
+              <a:t>7/19/17</a:t>
             </a:fld>
             <a:endParaRPr lang="en-US"/>
           </a:p>
@@ -2076,7 +2081,7 @@
           <a:p>
             <a:fld id="{586DF4C2-415B-C24F-A2AC-E44FACE64F7B}" type="datetimeFigureOut">
               <a:rPr lang="en-US" smtClean="0"/>
-              <a:t>7/17/17</a:t>
+              <a:t>7/19/17</a:t>
             </a:fld>
             <a:endParaRPr lang="en-US"/>
           </a:p>
@@ -2171,7 +2176,7 @@
           <a:p>
             <a:fld id="{586DF4C2-415B-C24F-A2AC-E44FACE64F7B}" type="datetimeFigureOut">
               <a:rPr lang="en-US" smtClean="0"/>
-              <a:t>7/17/17</a:t>
+              <a:t>7/19/17</a:t>
             </a:fld>
             <a:endParaRPr lang="en-US"/>
           </a:p>
@@ -2448,7 +2453,7 @@
           <a:p>
             <a:fld id="{586DF4C2-415B-C24F-A2AC-E44FACE64F7B}" type="datetimeFigureOut">
               <a:rPr lang="en-US" smtClean="0"/>
-              <a:t>7/17/17</a:t>
+              <a:t>7/19/17</a:t>
             </a:fld>
             <a:endParaRPr lang="en-US"/>
           </a:p>
@@ -2701,7 +2706,7 @@
           <a:p>
             <a:fld id="{586DF4C2-415B-C24F-A2AC-E44FACE64F7B}" type="datetimeFigureOut">
               <a:rPr lang="en-US" smtClean="0"/>
-              <a:t>7/17/17</a:t>
+              <a:t>7/19/17</a:t>
             </a:fld>
             <a:endParaRPr lang="en-US"/>
           </a:p>
@@ -2914,7 +2919,7 @@
           <a:p>
             <a:fld id="{586DF4C2-415B-C24F-A2AC-E44FACE64F7B}" type="datetimeFigureOut">
               <a:rPr lang="en-US" smtClean="0"/>
-              <a:t>7/17/17</a:t>
+              <a:t>7/19/17</a:t>
             </a:fld>
             <a:endParaRPr lang="en-US"/>
           </a:p>
@@ -3711,6 +3716,53 @@
           </a:p>
         </p:txBody>
       </p:sp>
+      <p:sp>
+        <p:nvSpPr>
+          <p:cNvPr id="2" name="Oval 1"/>
+          <p:cNvSpPr/>
+          <p:nvPr/>
+        </p:nvSpPr>
+        <p:spPr>
+          <a:xfrm>
+            <a:off x="5812077" y="300624"/>
+            <a:ext cx="638828" cy="638828"/>
+          </a:xfrm>
+          <a:prstGeom prst="ellipse">
+            <a:avLst/>
+          </a:prstGeom>
+          <a:solidFill>
+            <a:schemeClr val="accent2"/>
+          </a:solidFill>
+        </p:spPr>
+        <p:style>
+          <a:lnRef idx="2">
+            <a:schemeClr val="accent1">
+              <a:shade val="50000"/>
+            </a:schemeClr>
+          </a:lnRef>
+          <a:fillRef idx="1">
+            <a:schemeClr val="accent1"/>
+          </a:fillRef>
+          <a:effectRef idx="0">
+            <a:schemeClr val="accent1"/>
+          </a:effectRef>
+          <a:fontRef idx="minor">
+            <a:schemeClr val="lt1"/>
+          </a:fontRef>
+        </p:style>
+        <p:txBody>
+          <a:bodyPr rtlCol="0" anchor="ctr"/>
+          <a:lstStyle/>
+          <a:p>
+            <a:pPr algn="ctr"/>
+            <a:r>
+              <a:rPr lang="en-US" dirty="0" smtClean="0"/>
+              <a:t>1</a:t>
+            </a:r>
+            <a:endParaRPr lang="en-US" dirty="0"/>
+          </a:p>
+        </p:txBody>
+      </p:sp>
     </p:spTree>
     <p:extLst>
       <p:ext uri="{BB962C8B-B14F-4D97-AF65-F5344CB8AC3E}">
@@ -4133,6 +4185,53 @@
           </a:p>
         </p:txBody>
       </p:sp>
+      <p:sp>
+        <p:nvSpPr>
+          <p:cNvPr id="9" name="Oval 8"/>
+          <p:cNvSpPr/>
+          <p:nvPr/>
+        </p:nvSpPr>
+        <p:spPr>
+          <a:xfrm>
+            <a:off x="4928991" y="526095"/>
+            <a:ext cx="638828" cy="638828"/>
+          </a:xfrm>
+          <a:prstGeom prst="ellipse">
+            <a:avLst/>
+          </a:prstGeom>
+          <a:solidFill>
+            <a:schemeClr val="accent2"/>
+          </a:solidFill>
+        </p:spPr>
+        <p:style>
+          <a:lnRef idx="2">
+            <a:schemeClr val="accent1">
+              <a:shade val="50000"/>
+            </a:schemeClr>
+          </a:lnRef>
+          <a:fillRef idx="1">
+            <a:schemeClr val="accent1"/>
+          </a:fillRef>
+          <a:effectRef idx="0">
+            <a:schemeClr val="accent1"/>
+          </a:effectRef>
+          <a:fontRef idx="minor">
+            <a:schemeClr val="lt1"/>
+          </a:fontRef>
+        </p:style>
+        <p:txBody>
+          <a:bodyPr rtlCol="0" anchor="ctr"/>
+          <a:lstStyle/>
+          <a:p>
+            <a:pPr algn="ctr"/>
+            <a:r>
+              <a:rPr lang="en-US" dirty="0" smtClean="0"/>
+              <a:t>2</a:t>
+            </a:r>
+            <a:endParaRPr lang="en-US" dirty="0"/>
+          </a:p>
+        </p:txBody>
+      </p:sp>
     </p:spTree>
     <p:extLst>
       <p:ext uri="{BB962C8B-B14F-4D97-AF65-F5344CB8AC3E}">
@@ -4552,6 +4651,53 @@
               <a:t>&lt;%foobar-2%&gt;&lt;%url-2%&gt;&lt;%url-2%&gt;</a:t>
             </a:r>
             <a:endParaRPr lang="en-US" sz="1200" dirty="0" smtClean="0"/>
+          </a:p>
+        </p:txBody>
+      </p:sp>
+      <p:sp>
+        <p:nvSpPr>
+          <p:cNvPr id="9" name="Oval 8"/>
+          <p:cNvSpPr/>
+          <p:nvPr/>
+        </p:nvSpPr>
+        <p:spPr>
+          <a:xfrm>
+            <a:off x="5673595" y="836430"/>
+            <a:ext cx="638828" cy="638828"/>
+          </a:xfrm>
+          <a:prstGeom prst="ellipse">
+            <a:avLst/>
+          </a:prstGeom>
+          <a:solidFill>
+            <a:schemeClr val="accent2"/>
+          </a:solidFill>
+        </p:spPr>
+        <p:style>
+          <a:lnRef idx="2">
+            <a:schemeClr val="accent1">
+              <a:shade val="50000"/>
+            </a:schemeClr>
+          </a:lnRef>
+          <a:fillRef idx="1">
+            <a:schemeClr val="accent1"/>
+          </a:fillRef>
+          <a:effectRef idx="0">
+            <a:schemeClr val="accent1"/>
+          </a:effectRef>
+          <a:fontRef idx="minor">
+            <a:schemeClr val="lt1"/>
+          </a:fontRef>
+        </p:style>
+        <p:txBody>
+          <a:bodyPr rtlCol="0" anchor="ctr"/>
+          <a:lstStyle/>
+          <a:p>
+            <a:pPr algn="ctr"/>
+            <a:r>
+              <a:rPr lang="en-US" dirty="0" smtClean="0"/>
+              <a:t>3</a:t>
+            </a:r>
+            <a:endParaRPr lang="en-US" dirty="0"/>
           </a:p>
         </p:txBody>
       </p:sp>
